--- a/assets uarm/2023 2 UarmPCrit/Kymlicka Ciudadanía Multicultural.pptx
+++ b/assets uarm/2023 2 UarmPCrit/Kymlicka Ciudadanía Multicultural.pptx
@@ -5125,7 +5125,7 @@
         <p:spPr>
           <a:xfrm>
             <a:off x="0" y="0"/>
-            <a:ext cx="2718776" cy="808892"/>
+            <a:ext cx="1979819" cy="589037"/>
           </a:xfrm>
           <a:prstGeom prst="rect">
             <a:avLst/>
@@ -5148,8 +5148,32 @@
         </p:blipFill>
         <p:spPr>
           <a:xfrm>
-            <a:off x="2523615" y="143273"/>
-            <a:ext cx="5952170" cy="665619"/>
+            <a:off x="1767477" y="137914"/>
+            <a:ext cx="4334385" cy="484705"/>
+          </a:xfrm>
+          <a:prstGeom prst="rect">
+            <a:avLst/>
+          </a:prstGeom>
+        </p:spPr>
+      </p:pic>
+      <p:pic>
+        <p:nvPicPr>
+          <p:cNvPr id="5" name="Imagen 4"/>
+          <p:cNvPicPr>
+            <a:picLocks noChangeAspect="1"/>
+          </p:cNvPicPr>
+          <p:nvPr/>
+        </p:nvPicPr>
+        <p:blipFill>
+          <a:blip r:embed="rId4"/>
+          <a:stretch>
+            <a:fillRect/>
+          </a:stretch>
+        </p:blipFill>
+        <p:spPr>
+          <a:xfrm>
+            <a:off x="5972175" y="81234"/>
+            <a:ext cx="4848225" cy="428625"/>
           </a:xfrm>
           <a:prstGeom prst="rect">
             <a:avLst/>
